--- a/교육 자료/[JAVA]2024_어드민교육_4주차.pptx
+++ b/교육 자료/[JAVA]2024_어드민교육_4주차.pptx
@@ -17433,12 +17433,12 @@
               <a:t>사각형의 변의 길이는 </a:t>
             </a:r>
             <a:r>
-              <a:rPr lang="en-US" altLang="ko-KR" sz="2500" dirty="0"/>
+              <a:rPr lang="en-US" altLang="ko-KR" sz="2500"/>
               <a:t>int</a:t>
             </a:r>
             <a:r>
-              <a:rPr lang="ko-KR" altLang="en-US" sz="2500" dirty="0"/>
-              <a:t>으로 </a:t>
+              <a:rPr lang="ko-KR" altLang="en-US" sz="2500"/>
+              <a:t>로 </a:t>
             </a:r>
             <a:r>
               <a:rPr lang="en-US" altLang="ko-KR" sz="2500" dirty="0"/>
